--- a/Slides/Lecture02 - Generics, Collections, Iterators, and Regular Expressions.pptx
+++ b/Slides/Lecture02 - Generics, Collections, Iterators, and Regular Expressions.pptx
@@ -348,7 +348,7 @@
               <a:rPr lang="en-US" smtClean="0">
                 <a:latin typeface="Segoe UI" pitchFamily="34" charset="0"/>
               </a:rPr>
-              <a:t>9/5/2017</a:t>
+              <a:t>9/9/2017</a:t>
             </a:fld>
             <a:endParaRPr lang="en-US" dirty="0">
               <a:latin typeface="Segoe UI" pitchFamily="34" charset="0"/>
@@ -671,7 +671,7 @@
             <a:fld id="{D51B1278-D92B-4AF3-A9C1-71DD298190CE}" type="datetimeFigureOut">
               <a:rPr lang="en-US" smtClean="0"/>
               <a:pPr/>
-              <a:t>9/5/2017</a:t>
+              <a:t>9/9/2017</a:t>
             </a:fld>
             <a:endParaRPr lang="en-US" dirty="0"/>
           </a:p>
@@ -4569,7 +4569,7 @@
         <p:spPr>
           <a:xfrm>
             <a:off x="274209" y="3954457"/>
-            <a:ext cx="5120584" cy="1828800"/>
+            <a:ext cx="4204800" cy="1828800"/>
           </a:xfrm>
         </p:spPr>
         <p:txBody>
@@ -14529,70 +14529,6 @@
 </file>
 
 <file path=customXml/item1.xml><?xml version="1.0" encoding="utf-8"?>
-<p:properties xmlns:p="http://schemas.microsoft.com/office/2006/metadata/properties" xmlns:xsi="http://www.w3.org/2001/XMLSchema-instance" xmlns:pc="http://schemas.microsoft.com/office/infopath/2007/PartnerControls">
-  <documentManagement>
-    <TrackTaxHTField0 xmlns="2295e2e7-0eeb-498e-8716-217bb2ee6ee3">
-      <Terms xmlns="http://schemas.microsoft.com/office/infopath/2007/PartnerControls"/>
-    </TrackTaxHTField0>
-    <CampaignTaxHTField0 xmlns="2295e2e7-0eeb-498e-8716-217bb2ee6ee3">
-      <Terms xmlns="http://schemas.microsoft.com/office/infopath/2007/PartnerControls"/>
-    </CampaignTaxHTField0>
-    <Event_x0020_End_x0020_Date xmlns="2295e2e7-0eeb-498e-8716-217bb2ee6ee3" xsi:nil="true"/>
-    <Event_x0020_Start_x0020_Date xmlns="2295e2e7-0eeb-498e-8716-217bb2ee6ee3" xsi:nil="true"/>
-    <MS_x0020_Speaker xmlns="2295e2e7-0eeb-498e-8716-217bb2ee6ee3">
-      <UserInfo>
-        <DisplayName/>
-        <AccountId xsi:nil="true"/>
-        <AccountType/>
-      </UserInfo>
-    </MS_x0020_Speaker>
-    <External_x0020_Speaker xmlns="2295e2e7-0eeb-498e-8716-217bb2ee6ee3" xsi:nil="true"/>
-    <Session_x0020_Code xmlns="2295e2e7-0eeb-498e-8716-217bb2ee6ee3" xsi:nil="true"/>
-    <ProductTaxHTField0 xmlns="2295e2e7-0eeb-498e-8716-217bb2ee6ee3">
-      <Terms xmlns="http://schemas.microsoft.com/office/infopath/2007/PartnerControls"/>
-    </ProductTaxHTField0>
-    <Presentation_x0020_Date xmlns="2295e2e7-0eeb-498e-8716-217bb2ee6ee3" xsi:nil="true"/>
-    <Event_x0020_LocationTaxHTField0 xmlns="2295e2e7-0eeb-498e-8716-217bb2ee6ee3">
-      <Terms xmlns="http://schemas.microsoft.com/office/infopath/2007/PartnerControls"/>
-    </Event_x0020_LocationTaxHTField0>
-    <Event1TaxHTField0 xmlns="2295e2e7-0eeb-498e-8716-217bb2ee6ee3">
-      <Terms xmlns="http://schemas.microsoft.com/office/infopath/2007/PartnerControls">
-        <TermInfo xmlns="http://schemas.microsoft.com/office/infopath/2007/PartnerControls">
-          <TermName xmlns="http://schemas.microsoft.com/office/infopath/2007/PartnerControls">Unassigned</TermName>
-          <TermId xmlns="http://schemas.microsoft.com/office/infopath/2007/PartnerControls">e51362f4-782c-41a8-bb7b-e0cfc8669933</TermId>
-        </TermInfo>
-      </Terms>
-    </Event1TaxHTField0>
-    <AudienceTaxHTField0 xmlns="8b529f77-48ab-4581-b468-93f09345b8aa">
-      <Terms xmlns="http://schemas.microsoft.com/office/infopath/2007/PartnerControls"/>
-    </AudienceTaxHTField0>
-    <MS_x0020_Content_x0020_Owner xmlns="2295e2e7-0eeb-498e-8716-217bb2ee6ee3">
-      <UserInfo>
-        <DisplayName/>
-        <AccountId xsi:nil="true"/>
-        <AccountType/>
-      </UserInfo>
-    </MS_x0020_Content_x0020_Owner>
-    <TaxCatchAll xmlns="2295e2e7-0eeb-498e-8716-217bb2ee6ee3">
-      <Value>217</Value>
-    </TaxCatchAll>
-    <Event_x0020_VenueTaxHTField0 xmlns="2295e2e7-0eeb-498e-8716-217bb2ee6ee3">
-      <Terms xmlns="http://schemas.microsoft.com/office/infopath/2007/PartnerControls"/>
-    </Event_x0020_VenueTaxHTField0>
-  </documentManagement>
-</p:properties>
-</file>
-
-<file path=customXml/item2.xml><?xml version="1.0" encoding="utf-8"?>
-<?mso-contentType ?>
-<FormTemplates xmlns="http://schemas.microsoft.com/sharepoint/v3/contenttype/forms">
-  <Display>DocumentLibraryForm</Display>
-  <Edit>DocumentLibraryForm</Edit>
-  <New>DocumentLibraryForm</New>
-</FormTemplates>
-</file>
-
-<file path=customXml/item3.xml><?xml version="1.0" encoding="utf-8"?>
 <ct:contentTypeSchema xmlns:ct="http://schemas.microsoft.com/office/2006/metadata/contentType" xmlns:ma="http://schemas.microsoft.com/office/2006/metadata/properties/metaAttributes" ct:_="" ma:_="" ma:contentTypeName="PresentationsDoc" ma:contentTypeID="0x010100B88FC3ECA26D1C46B3C4C83281D2EB9C003BBE479AF4108146A616B6B5E7069DBC" ma:contentTypeVersion="61" ma:contentTypeDescription="" ma:contentTypeScope="" ma:versionID="72533711bacf991a4680f48ae6b725f9">
   <xsd:schema xmlns:xsd="http://www.w3.org/2001/XMLSchema" xmlns:xs="http://www.w3.org/2001/XMLSchema" xmlns:p="http://schemas.microsoft.com/office/2006/metadata/properties" xmlns:ns2="2295e2e7-0eeb-498e-8716-217bb2ee6ee3" xmlns:ns3="8b529f77-48ab-4581-b468-93f09345b8aa" targetNamespace="http://schemas.microsoft.com/office/2006/metadata/properties" ma:root="true" ma:fieldsID="dde17010d50e6e632f300eac8dfd378e" ns2:_="" ns3:_="">
     <xsd:import namespace="2295e2e7-0eeb-498e-8716-217bb2ee6ee3"/>
@@ -14871,32 +14807,71 @@
 </ct:contentTypeSchema>
 </file>
 
-<file path=customXml/itemProps1.xml><?xml version="1.0" encoding="utf-8"?>
-<ds:datastoreItem xmlns:ds="http://schemas.openxmlformats.org/officeDocument/2006/customXml" ds:itemID="{F990F116-B58F-4255-B05B-DA3808E0E5C6}">
-  <ds:schemaRefs>
-    <ds:schemaRef ds:uri="http://schemas.microsoft.com/office/2006/documentManagement/types"/>
-    <ds:schemaRef ds:uri="http://purl.org/dc/dcmitype/"/>
-    <ds:schemaRef ds:uri="http://schemas.openxmlformats.org/package/2006/metadata/core-properties"/>
-    <ds:schemaRef ds:uri="http://purl.org/dc/elements/1.1/"/>
-    <ds:schemaRef ds:uri="http://schemas.microsoft.com/office/2006/metadata/properties"/>
-    <ds:schemaRef ds:uri="http://schemas.microsoft.com/office/infopath/2007/PartnerControls"/>
-    <ds:schemaRef ds:uri="8b529f77-48ab-4581-b468-93f09345b8aa"/>
-    <ds:schemaRef ds:uri="2295e2e7-0eeb-498e-8716-217bb2ee6ee3"/>
-    <ds:schemaRef ds:uri="http://www.w3.org/XML/1998/namespace"/>
-    <ds:schemaRef ds:uri="http://purl.org/dc/terms/"/>
-  </ds:schemaRefs>
-</ds:datastoreItem>
+<file path=customXml/item2.xml><?xml version="1.0" encoding="utf-8"?>
+<?mso-contentType ?>
+<FormTemplates xmlns="http://schemas.microsoft.com/sharepoint/v3/contenttype/forms">
+  <Display>DocumentLibraryForm</Display>
+  <Edit>DocumentLibraryForm</Edit>
+  <New>DocumentLibraryForm</New>
+</FormTemplates>
 </file>
 
-<file path=customXml/itemProps2.xml><?xml version="1.0" encoding="utf-8"?>
-<ds:datastoreItem xmlns:ds="http://schemas.openxmlformats.org/officeDocument/2006/customXml" ds:itemID="{758FDAC0-319D-4A54-8D8E-1D42CB1F8004}">
-  <ds:schemaRefs>
-    <ds:schemaRef ds:uri="http://schemas.microsoft.com/sharepoint/v3/contenttype/forms"/>
-  </ds:schemaRefs>
-</ds:datastoreItem>
+<file path=customXml/item3.xml><?xml version="1.0" encoding="utf-8"?>
+<p:properties xmlns:p="http://schemas.microsoft.com/office/2006/metadata/properties" xmlns:xsi="http://www.w3.org/2001/XMLSchema-instance" xmlns:pc="http://schemas.microsoft.com/office/infopath/2007/PartnerControls">
+  <documentManagement>
+    <TrackTaxHTField0 xmlns="2295e2e7-0eeb-498e-8716-217bb2ee6ee3">
+      <Terms xmlns="http://schemas.microsoft.com/office/infopath/2007/PartnerControls"/>
+    </TrackTaxHTField0>
+    <CampaignTaxHTField0 xmlns="2295e2e7-0eeb-498e-8716-217bb2ee6ee3">
+      <Terms xmlns="http://schemas.microsoft.com/office/infopath/2007/PartnerControls"/>
+    </CampaignTaxHTField0>
+    <Event_x0020_End_x0020_Date xmlns="2295e2e7-0eeb-498e-8716-217bb2ee6ee3" xsi:nil="true"/>
+    <Event_x0020_Start_x0020_Date xmlns="2295e2e7-0eeb-498e-8716-217bb2ee6ee3" xsi:nil="true"/>
+    <MS_x0020_Speaker xmlns="2295e2e7-0eeb-498e-8716-217bb2ee6ee3">
+      <UserInfo>
+        <DisplayName/>
+        <AccountId xsi:nil="true"/>
+        <AccountType/>
+      </UserInfo>
+    </MS_x0020_Speaker>
+    <External_x0020_Speaker xmlns="2295e2e7-0eeb-498e-8716-217bb2ee6ee3" xsi:nil="true"/>
+    <Session_x0020_Code xmlns="2295e2e7-0eeb-498e-8716-217bb2ee6ee3" xsi:nil="true"/>
+    <ProductTaxHTField0 xmlns="2295e2e7-0eeb-498e-8716-217bb2ee6ee3">
+      <Terms xmlns="http://schemas.microsoft.com/office/infopath/2007/PartnerControls"/>
+    </ProductTaxHTField0>
+    <Presentation_x0020_Date xmlns="2295e2e7-0eeb-498e-8716-217bb2ee6ee3" xsi:nil="true"/>
+    <Event_x0020_LocationTaxHTField0 xmlns="2295e2e7-0eeb-498e-8716-217bb2ee6ee3">
+      <Terms xmlns="http://schemas.microsoft.com/office/infopath/2007/PartnerControls"/>
+    </Event_x0020_LocationTaxHTField0>
+    <Event1TaxHTField0 xmlns="2295e2e7-0eeb-498e-8716-217bb2ee6ee3">
+      <Terms xmlns="http://schemas.microsoft.com/office/infopath/2007/PartnerControls">
+        <TermInfo xmlns="http://schemas.microsoft.com/office/infopath/2007/PartnerControls">
+          <TermName xmlns="http://schemas.microsoft.com/office/infopath/2007/PartnerControls">Unassigned</TermName>
+          <TermId xmlns="http://schemas.microsoft.com/office/infopath/2007/PartnerControls">e51362f4-782c-41a8-bb7b-e0cfc8669933</TermId>
+        </TermInfo>
+      </Terms>
+    </Event1TaxHTField0>
+    <AudienceTaxHTField0 xmlns="8b529f77-48ab-4581-b468-93f09345b8aa">
+      <Terms xmlns="http://schemas.microsoft.com/office/infopath/2007/PartnerControls"/>
+    </AudienceTaxHTField0>
+    <MS_x0020_Content_x0020_Owner xmlns="2295e2e7-0eeb-498e-8716-217bb2ee6ee3">
+      <UserInfo>
+        <DisplayName/>
+        <AccountId xsi:nil="true"/>
+        <AccountType/>
+      </UserInfo>
+    </MS_x0020_Content_x0020_Owner>
+    <TaxCatchAll xmlns="2295e2e7-0eeb-498e-8716-217bb2ee6ee3">
+      <Value>217</Value>
+    </TaxCatchAll>
+    <Event_x0020_VenueTaxHTField0 xmlns="2295e2e7-0eeb-498e-8716-217bb2ee6ee3">
+      <Terms xmlns="http://schemas.microsoft.com/office/infopath/2007/PartnerControls"/>
+    </Event_x0020_VenueTaxHTField0>
+  </documentManagement>
+</p:properties>
 </file>
 
-<file path=customXml/itemProps3.xml><?xml version="1.0" encoding="utf-8"?>
+<file path=customXml/itemProps1.xml><?xml version="1.0" encoding="utf-8"?>
 <ds:datastoreItem xmlns:ds="http://schemas.openxmlformats.org/officeDocument/2006/customXml" ds:itemID="{A4A71FB1-3FB8-468F-9C64-2246CB74C7D9}">
   <ds:schemaRefs>
     <ds:schemaRef ds:uri="http://schemas.microsoft.com/office/2006/metadata/contentType"/>
@@ -14913,4 +14888,29 @@
     <ds:schemaRef ds:uri="http://schemas.microsoft.com/internal/obd"/>
   </ds:schemaRefs>
 </ds:datastoreItem>
+</file>
+
+<file path=customXml/itemProps2.xml><?xml version="1.0" encoding="utf-8"?>
+<ds:datastoreItem xmlns:ds="http://schemas.openxmlformats.org/officeDocument/2006/customXml" ds:itemID="{758FDAC0-319D-4A54-8D8E-1D42CB1F8004}">
+  <ds:schemaRefs>
+    <ds:schemaRef ds:uri="http://schemas.microsoft.com/sharepoint/v3/contenttype/forms"/>
+  </ds:schemaRefs>
+</ds:datastoreItem>
+</file>
+
+<file path=customXml/itemProps3.xml><?xml version="1.0" encoding="utf-8"?>
+<ds:datastoreItem xmlns:ds="http://schemas.openxmlformats.org/officeDocument/2006/customXml" ds:itemID="{F990F116-B58F-4255-B05B-DA3808E0E5C6}">
+  <ds:schemaRefs>
+    <ds:schemaRef ds:uri="http://schemas.microsoft.com/office/2006/documentManagement/types"/>
+    <ds:schemaRef ds:uri="http://purl.org/dc/dcmitype/"/>
+    <ds:schemaRef ds:uri="http://schemas.openxmlformats.org/package/2006/metadata/core-properties"/>
+    <ds:schemaRef ds:uri="http://purl.org/dc/elements/1.1/"/>
+    <ds:schemaRef ds:uri="http://schemas.microsoft.com/office/2006/metadata/properties"/>
+    <ds:schemaRef ds:uri="http://schemas.microsoft.com/office/infopath/2007/PartnerControls"/>
+    <ds:schemaRef ds:uri="8b529f77-48ab-4581-b468-93f09345b8aa"/>
+    <ds:schemaRef ds:uri="2295e2e7-0eeb-498e-8716-217bb2ee6ee3"/>
+    <ds:schemaRef ds:uri="http://www.w3.org/XML/1998/namespace"/>
+    <ds:schemaRef ds:uri="http://purl.org/dc/terms/"/>
+  </ds:schemaRefs>
+</ds:datastoreItem>
 </file>
--- a/Slides/Lecture02 - Generics, Collections, Iterators, and Regular Expressions.pptx
+++ b/Slides/Lecture02 - Generics, Collections, Iterators, and Regular Expressions.pptx
@@ -262,6 +262,10 @@
 </p:cmAuthorLst>
 </file>
 
+<file path=ppt/revisionInfo.xml><?xml version="1.0" encoding="utf-8"?>
+<p1510:revInfo xmlns:a="http://schemas.openxmlformats.org/drawingml/2006/main" xmlns:r="http://schemas.openxmlformats.org/officeDocument/2006/relationships" xmlns:p1510="http://schemas.microsoft.com/office/powerpoint/2015/10/main"/>
+</file>
+
 <file path=ppt/handoutMasters/handoutMaster1.xml><?xml version="1.0" encoding="utf-8"?>
 <p:handoutMaster xmlns:a="http://schemas.openxmlformats.org/drawingml/2006/main" xmlns:r="http://schemas.openxmlformats.org/officeDocument/2006/relationships" xmlns:p="http://schemas.openxmlformats.org/presentationml/2006/main">
   <p:cSld>
@@ -348,7 +352,7 @@
               <a:rPr lang="en-US" smtClean="0">
                 <a:latin typeface="Segoe UI" pitchFamily="34" charset="0"/>
               </a:rPr>
-              <a:t>9/9/2017</a:t>
+              <a:t>9/21/2017</a:t>
             </a:fld>
             <a:endParaRPr lang="en-US" dirty="0">
               <a:latin typeface="Segoe UI" pitchFamily="34" charset="0"/>
@@ -671,7 +675,7 @@
             <a:fld id="{D51B1278-D92B-4AF3-A9C1-71DD298190CE}" type="datetimeFigureOut">
               <a:rPr lang="en-US" smtClean="0"/>
               <a:pPr/>
-              <a:t>9/9/2017</a:t>
+              <a:t>9/21/2017</a:t>
             </a:fld>
             <a:endParaRPr lang="en-US" dirty="0"/>
           </a:p>
@@ -4589,8 +4593,12 @@
               <a:buNone/>
             </a:pPr>
             <a:r>
+              <a:rPr lang="en-US"/>
+              <a:t>Associate </a:t>
+            </a:r>
+            <a:r>
               <a:rPr lang="en-US" dirty="0"/>
-              <a:t>External Associate Professor</a:t>
+              <a:t>Professor</a:t>
             </a:r>
           </a:p>
           <a:p>
@@ -14529,6 +14537,70 @@
 </file>
 
 <file path=customXml/item1.xml><?xml version="1.0" encoding="utf-8"?>
+<p:properties xmlns:p="http://schemas.microsoft.com/office/2006/metadata/properties" xmlns:xsi="http://www.w3.org/2001/XMLSchema-instance" xmlns:pc="http://schemas.microsoft.com/office/infopath/2007/PartnerControls">
+  <documentManagement>
+    <TrackTaxHTField0 xmlns="2295e2e7-0eeb-498e-8716-217bb2ee6ee3">
+      <Terms xmlns="http://schemas.microsoft.com/office/infopath/2007/PartnerControls"/>
+    </TrackTaxHTField0>
+    <CampaignTaxHTField0 xmlns="2295e2e7-0eeb-498e-8716-217bb2ee6ee3">
+      <Terms xmlns="http://schemas.microsoft.com/office/infopath/2007/PartnerControls"/>
+    </CampaignTaxHTField0>
+    <Event_x0020_End_x0020_Date xmlns="2295e2e7-0eeb-498e-8716-217bb2ee6ee3" xsi:nil="true"/>
+    <Event_x0020_Start_x0020_Date xmlns="2295e2e7-0eeb-498e-8716-217bb2ee6ee3" xsi:nil="true"/>
+    <MS_x0020_Speaker xmlns="2295e2e7-0eeb-498e-8716-217bb2ee6ee3">
+      <UserInfo>
+        <DisplayName/>
+        <AccountId xsi:nil="true"/>
+        <AccountType/>
+      </UserInfo>
+    </MS_x0020_Speaker>
+    <External_x0020_Speaker xmlns="2295e2e7-0eeb-498e-8716-217bb2ee6ee3" xsi:nil="true"/>
+    <Session_x0020_Code xmlns="2295e2e7-0eeb-498e-8716-217bb2ee6ee3" xsi:nil="true"/>
+    <ProductTaxHTField0 xmlns="2295e2e7-0eeb-498e-8716-217bb2ee6ee3">
+      <Terms xmlns="http://schemas.microsoft.com/office/infopath/2007/PartnerControls"/>
+    </ProductTaxHTField0>
+    <Presentation_x0020_Date xmlns="2295e2e7-0eeb-498e-8716-217bb2ee6ee3" xsi:nil="true"/>
+    <Event_x0020_LocationTaxHTField0 xmlns="2295e2e7-0eeb-498e-8716-217bb2ee6ee3">
+      <Terms xmlns="http://schemas.microsoft.com/office/infopath/2007/PartnerControls"/>
+    </Event_x0020_LocationTaxHTField0>
+    <Event1TaxHTField0 xmlns="2295e2e7-0eeb-498e-8716-217bb2ee6ee3">
+      <Terms xmlns="http://schemas.microsoft.com/office/infopath/2007/PartnerControls">
+        <TermInfo xmlns="http://schemas.microsoft.com/office/infopath/2007/PartnerControls">
+          <TermName xmlns="http://schemas.microsoft.com/office/infopath/2007/PartnerControls">Unassigned</TermName>
+          <TermId xmlns="http://schemas.microsoft.com/office/infopath/2007/PartnerControls">e51362f4-782c-41a8-bb7b-e0cfc8669933</TermId>
+        </TermInfo>
+      </Terms>
+    </Event1TaxHTField0>
+    <AudienceTaxHTField0 xmlns="8b529f77-48ab-4581-b468-93f09345b8aa">
+      <Terms xmlns="http://schemas.microsoft.com/office/infopath/2007/PartnerControls"/>
+    </AudienceTaxHTField0>
+    <MS_x0020_Content_x0020_Owner xmlns="2295e2e7-0eeb-498e-8716-217bb2ee6ee3">
+      <UserInfo>
+        <DisplayName/>
+        <AccountId xsi:nil="true"/>
+        <AccountType/>
+      </UserInfo>
+    </MS_x0020_Content_x0020_Owner>
+    <TaxCatchAll xmlns="2295e2e7-0eeb-498e-8716-217bb2ee6ee3">
+      <Value>217</Value>
+    </TaxCatchAll>
+    <Event_x0020_VenueTaxHTField0 xmlns="2295e2e7-0eeb-498e-8716-217bb2ee6ee3">
+      <Terms xmlns="http://schemas.microsoft.com/office/infopath/2007/PartnerControls"/>
+    </Event_x0020_VenueTaxHTField0>
+  </documentManagement>
+</p:properties>
+</file>
+
+<file path=customXml/item2.xml><?xml version="1.0" encoding="utf-8"?>
+<?mso-contentType ?>
+<FormTemplates xmlns="http://schemas.microsoft.com/sharepoint/v3/contenttype/forms">
+  <Display>DocumentLibraryForm</Display>
+  <Edit>DocumentLibraryForm</Edit>
+  <New>DocumentLibraryForm</New>
+</FormTemplates>
+</file>
+
+<file path=customXml/item3.xml><?xml version="1.0" encoding="utf-8"?>
 <ct:contentTypeSchema xmlns:ct="http://schemas.microsoft.com/office/2006/metadata/contentType" xmlns:ma="http://schemas.microsoft.com/office/2006/metadata/properties/metaAttributes" ct:_="" ma:_="" ma:contentTypeName="PresentationsDoc" ma:contentTypeID="0x010100B88FC3ECA26D1C46B3C4C83281D2EB9C003BBE479AF4108146A616B6B5E7069DBC" ma:contentTypeVersion="61" ma:contentTypeDescription="" ma:contentTypeScope="" ma:versionID="72533711bacf991a4680f48ae6b725f9">
   <xsd:schema xmlns:xsd="http://www.w3.org/2001/XMLSchema" xmlns:xs="http://www.w3.org/2001/XMLSchema" xmlns:p="http://schemas.microsoft.com/office/2006/metadata/properties" xmlns:ns2="2295e2e7-0eeb-498e-8716-217bb2ee6ee3" xmlns:ns3="8b529f77-48ab-4581-b468-93f09345b8aa" targetNamespace="http://schemas.microsoft.com/office/2006/metadata/properties" ma:root="true" ma:fieldsID="dde17010d50e6e632f300eac8dfd378e" ns2:_="" ns3:_="">
     <xsd:import namespace="2295e2e7-0eeb-498e-8716-217bb2ee6ee3"/>
@@ -14807,71 +14879,32 @@
 </ct:contentTypeSchema>
 </file>
 
-<file path=customXml/item2.xml><?xml version="1.0" encoding="utf-8"?>
-<?mso-contentType ?>
-<FormTemplates xmlns="http://schemas.microsoft.com/sharepoint/v3/contenttype/forms">
-  <Display>DocumentLibraryForm</Display>
-  <Edit>DocumentLibraryForm</Edit>
-  <New>DocumentLibraryForm</New>
-</FormTemplates>
+<file path=customXml/itemProps1.xml><?xml version="1.0" encoding="utf-8"?>
+<ds:datastoreItem xmlns:ds="http://schemas.openxmlformats.org/officeDocument/2006/customXml" ds:itemID="{F990F116-B58F-4255-B05B-DA3808E0E5C6}">
+  <ds:schemaRefs>
+    <ds:schemaRef ds:uri="http://schemas.microsoft.com/office/2006/documentManagement/types"/>
+    <ds:schemaRef ds:uri="http://purl.org/dc/dcmitype/"/>
+    <ds:schemaRef ds:uri="http://schemas.openxmlformats.org/package/2006/metadata/core-properties"/>
+    <ds:schemaRef ds:uri="http://purl.org/dc/elements/1.1/"/>
+    <ds:schemaRef ds:uri="http://schemas.microsoft.com/office/2006/metadata/properties"/>
+    <ds:schemaRef ds:uri="http://schemas.microsoft.com/office/infopath/2007/PartnerControls"/>
+    <ds:schemaRef ds:uri="8b529f77-48ab-4581-b468-93f09345b8aa"/>
+    <ds:schemaRef ds:uri="2295e2e7-0eeb-498e-8716-217bb2ee6ee3"/>
+    <ds:schemaRef ds:uri="http://www.w3.org/XML/1998/namespace"/>
+    <ds:schemaRef ds:uri="http://purl.org/dc/terms/"/>
+  </ds:schemaRefs>
+</ds:datastoreItem>
 </file>
 
-<file path=customXml/item3.xml><?xml version="1.0" encoding="utf-8"?>
-<p:properties xmlns:p="http://schemas.microsoft.com/office/2006/metadata/properties" xmlns:xsi="http://www.w3.org/2001/XMLSchema-instance" xmlns:pc="http://schemas.microsoft.com/office/infopath/2007/PartnerControls">
-  <documentManagement>
-    <TrackTaxHTField0 xmlns="2295e2e7-0eeb-498e-8716-217bb2ee6ee3">
-      <Terms xmlns="http://schemas.microsoft.com/office/infopath/2007/PartnerControls"/>
-    </TrackTaxHTField0>
-    <CampaignTaxHTField0 xmlns="2295e2e7-0eeb-498e-8716-217bb2ee6ee3">
-      <Terms xmlns="http://schemas.microsoft.com/office/infopath/2007/PartnerControls"/>
-    </CampaignTaxHTField0>
-    <Event_x0020_End_x0020_Date xmlns="2295e2e7-0eeb-498e-8716-217bb2ee6ee3" xsi:nil="true"/>
-    <Event_x0020_Start_x0020_Date xmlns="2295e2e7-0eeb-498e-8716-217bb2ee6ee3" xsi:nil="true"/>
-    <MS_x0020_Speaker xmlns="2295e2e7-0eeb-498e-8716-217bb2ee6ee3">
-      <UserInfo>
-        <DisplayName/>
-        <AccountId xsi:nil="true"/>
-        <AccountType/>
-      </UserInfo>
-    </MS_x0020_Speaker>
-    <External_x0020_Speaker xmlns="2295e2e7-0eeb-498e-8716-217bb2ee6ee3" xsi:nil="true"/>
-    <Session_x0020_Code xmlns="2295e2e7-0eeb-498e-8716-217bb2ee6ee3" xsi:nil="true"/>
-    <ProductTaxHTField0 xmlns="2295e2e7-0eeb-498e-8716-217bb2ee6ee3">
-      <Terms xmlns="http://schemas.microsoft.com/office/infopath/2007/PartnerControls"/>
-    </ProductTaxHTField0>
-    <Presentation_x0020_Date xmlns="2295e2e7-0eeb-498e-8716-217bb2ee6ee3" xsi:nil="true"/>
-    <Event_x0020_LocationTaxHTField0 xmlns="2295e2e7-0eeb-498e-8716-217bb2ee6ee3">
-      <Terms xmlns="http://schemas.microsoft.com/office/infopath/2007/PartnerControls"/>
-    </Event_x0020_LocationTaxHTField0>
-    <Event1TaxHTField0 xmlns="2295e2e7-0eeb-498e-8716-217bb2ee6ee3">
-      <Terms xmlns="http://schemas.microsoft.com/office/infopath/2007/PartnerControls">
-        <TermInfo xmlns="http://schemas.microsoft.com/office/infopath/2007/PartnerControls">
-          <TermName xmlns="http://schemas.microsoft.com/office/infopath/2007/PartnerControls">Unassigned</TermName>
-          <TermId xmlns="http://schemas.microsoft.com/office/infopath/2007/PartnerControls">e51362f4-782c-41a8-bb7b-e0cfc8669933</TermId>
-        </TermInfo>
-      </Terms>
-    </Event1TaxHTField0>
-    <AudienceTaxHTField0 xmlns="8b529f77-48ab-4581-b468-93f09345b8aa">
-      <Terms xmlns="http://schemas.microsoft.com/office/infopath/2007/PartnerControls"/>
-    </AudienceTaxHTField0>
-    <MS_x0020_Content_x0020_Owner xmlns="2295e2e7-0eeb-498e-8716-217bb2ee6ee3">
-      <UserInfo>
-        <DisplayName/>
-        <AccountId xsi:nil="true"/>
-        <AccountType/>
-      </UserInfo>
-    </MS_x0020_Content_x0020_Owner>
-    <TaxCatchAll xmlns="2295e2e7-0eeb-498e-8716-217bb2ee6ee3">
-      <Value>217</Value>
-    </TaxCatchAll>
-    <Event_x0020_VenueTaxHTField0 xmlns="2295e2e7-0eeb-498e-8716-217bb2ee6ee3">
-      <Terms xmlns="http://schemas.microsoft.com/office/infopath/2007/PartnerControls"/>
-    </Event_x0020_VenueTaxHTField0>
-  </documentManagement>
-</p:properties>
+<file path=customXml/itemProps2.xml><?xml version="1.0" encoding="utf-8"?>
+<ds:datastoreItem xmlns:ds="http://schemas.openxmlformats.org/officeDocument/2006/customXml" ds:itemID="{758FDAC0-319D-4A54-8D8E-1D42CB1F8004}">
+  <ds:schemaRefs>
+    <ds:schemaRef ds:uri="http://schemas.microsoft.com/sharepoint/v3/contenttype/forms"/>
+  </ds:schemaRefs>
+</ds:datastoreItem>
 </file>
 
-<file path=customXml/itemProps1.xml><?xml version="1.0" encoding="utf-8"?>
+<file path=customXml/itemProps3.xml><?xml version="1.0" encoding="utf-8"?>
 <ds:datastoreItem xmlns:ds="http://schemas.openxmlformats.org/officeDocument/2006/customXml" ds:itemID="{A4A71FB1-3FB8-468F-9C64-2246CB74C7D9}">
   <ds:schemaRefs>
     <ds:schemaRef ds:uri="http://schemas.microsoft.com/office/2006/metadata/contentType"/>
@@ -14888,29 +14921,4 @@
     <ds:schemaRef ds:uri="http://schemas.microsoft.com/internal/obd"/>
   </ds:schemaRefs>
 </ds:datastoreItem>
-</file>
-
-<file path=customXml/itemProps2.xml><?xml version="1.0" encoding="utf-8"?>
-<ds:datastoreItem xmlns:ds="http://schemas.openxmlformats.org/officeDocument/2006/customXml" ds:itemID="{758FDAC0-319D-4A54-8D8E-1D42CB1F8004}">
-  <ds:schemaRefs>
-    <ds:schemaRef ds:uri="http://schemas.microsoft.com/sharepoint/v3/contenttype/forms"/>
-  </ds:schemaRefs>
-</ds:datastoreItem>
-</file>
-
-<file path=customXml/itemProps3.xml><?xml version="1.0" encoding="utf-8"?>
-<ds:datastoreItem xmlns:ds="http://schemas.openxmlformats.org/officeDocument/2006/customXml" ds:itemID="{F990F116-B58F-4255-B05B-DA3808E0E5C6}">
-  <ds:schemaRefs>
-    <ds:schemaRef ds:uri="http://schemas.microsoft.com/office/2006/documentManagement/types"/>
-    <ds:schemaRef ds:uri="http://purl.org/dc/dcmitype/"/>
-    <ds:schemaRef ds:uri="http://schemas.openxmlformats.org/package/2006/metadata/core-properties"/>
-    <ds:schemaRef ds:uri="http://purl.org/dc/elements/1.1/"/>
-    <ds:schemaRef ds:uri="http://schemas.microsoft.com/office/2006/metadata/properties"/>
-    <ds:schemaRef ds:uri="http://schemas.microsoft.com/office/infopath/2007/PartnerControls"/>
-    <ds:schemaRef ds:uri="8b529f77-48ab-4581-b468-93f09345b8aa"/>
-    <ds:schemaRef ds:uri="2295e2e7-0eeb-498e-8716-217bb2ee6ee3"/>
-    <ds:schemaRef ds:uri="http://www.w3.org/XML/1998/namespace"/>
-    <ds:schemaRef ds:uri="http://purl.org/dc/terms/"/>
-  </ds:schemaRefs>
-</ds:datastoreItem>
 </file>